--- a/media/photo/YX5300 Diagrams.pptx
+++ b/media/photo/YX5300 Diagrams.pptx
@@ -104,6 +104,11 @@
       </a:defRPr>
     </a:lvl9pPr>
   </p:defaultTextStyle>
+  <p:extLst>
+    <p:ext uri="{EFAFB233-063F-42B5-8137-9DF3F51BA10A}">
+      <p15:sldGuideLst xmlns:p15="http://schemas.microsoft.com/office/powerpoint/2012/main"/>
+    </p:ext>
+  </p:extLst>
 </p:presentation>
 </file>
 
@@ -256,7 +261,7 @@
           <a:p>
             <a:fld id="{30E136DB-CF8E-4657-B77B-C117B505A95A}" type="datetimeFigureOut">
               <a:rPr lang="en-AU" smtClean="0"/>
-              <a:t>23/07/2018</a:t>
+              <a:t>14/04/2019</a:t>
             </a:fld>
             <a:endParaRPr lang="en-AU"/>
           </a:p>
@@ -456,7 +461,7 @@
           <a:p>
             <a:fld id="{30E136DB-CF8E-4657-B77B-C117B505A95A}" type="datetimeFigureOut">
               <a:rPr lang="en-AU" smtClean="0"/>
-              <a:t>23/07/2018</a:t>
+              <a:t>14/04/2019</a:t>
             </a:fld>
             <a:endParaRPr lang="en-AU"/>
           </a:p>
@@ -666,7 +671,7 @@
           <a:p>
             <a:fld id="{30E136DB-CF8E-4657-B77B-C117B505A95A}" type="datetimeFigureOut">
               <a:rPr lang="en-AU" smtClean="0"/>
-              <a:t>23/07/2018</a:t>
+              <a:t>14/04/2019</a:t>
             </a:fld>
             <a:endParaRPr lang="en-AU"/>
           </a:p>
@@ -866,7 +871,7 @@
           <a:p>
             <a:fld id="{30E136DB-CF8E-4657-B77B-C117B505A95A}" type="datetimeFigureOut">
               <a:rPr lang="en-AU" smtClean="0"/>
-              <a:t>23/07/2018</a:t>
+              <a:t>14/04/2019</a:t>
             </a:fld>
             <a:endParaRPr lang="en-AU"/>
           </a:p>
@@ -1142,7 +1147,7 @@
           <a:p>
             <a:fld id="{30E136DB-CF8E-4657-B77B-C117B505A95A}" type="datetimeFigureOut">
               <a:rPr lang="en-AU" smtClean="0"/>
-              <a:t>23/07/2018</a:t>
+              <a:t>14/04/2019</a:t>
             </a:fld>
             <a:endParaRPr lang="en-AU"/>
           </a:p>
@@ -1410,7 +1415,7 @@
           <a:p>
             <a:fld id="{30E136DB-CF8E-4657-B77B-C117B505A95A}" type="datetimeFigureOut">
               <a:rPr lang="en-AU" smtClean="0"/>
-              <a:t>23/07/2018</a:t>
+              <a:t>14/04/2019</a:t>
             </a:fld>
             <a:endParaRPr lang="en-AU"/>
           </a:p>
@@ -1825,7 +1830,7 @@
           <a:p>
             <a:fld id="{30E136DB-CF8E-4657-B77B-C117B505A95A}" type="datetimeFigureOut">
               <a:rPr lang="en-AU" smtClean="0"/>
-              <a:t>23/07/2018</a:t>
+              <a:t>14/04/2019</a:t>
             </a:fld>
             <a:endParaRPr lang="en-AU"/>
           </a:p>
@@ -1967,7 +1972,7 @@
           <a:p>
             <a:fld id="{30E136DB-CF8E-4657-B77B-C117B505A95A}" type="datetimeFigureOut">
               <a:rPr lang="en-AU" smtClean="0"/>
-              <a:t>23/07/2018</a:t>
+              <a:t>14/04/2019</a:t>
             </a:fld>
             <a:endParaRPr lang="en-AU"/>
           </a:p>
@@ -2080,7 +2085,7 @@
           <a:p>
             <a:fld id="{30E136DB-CF8E-4657-B77B-C117B505A95A}" type="datetimeFigureOut">
               <a:rPr lang="en-AU" smtClean="0"/>
-              <a:t>23/07/2018</a:t>
+              <a:t>14/04/2019</a:t>
             </a:fld>
             <a:endParaRPr lang="en-AU"/>
           </a:p>
@@ -2393,7 +2398,7 @@
           <a:p>
             <a:fld id="{30E136DB-CF8E-4657-B77B-C117B505A95A}" type="datetimeFigureOut">
               <a:rPr lang="en-AU" smtClean="0"/>
-              <a:t>23/07/2018</a:t>
+              <a:t>14/04/2019</a:t>
             </a:fld>
             <a:endParaRPr lang="en-AU"/>
           </a:p>
@@ -2682,7 +2687,7 @@
           <a:p>
             <a:fld id="{30E136DB-CF8E-4657-B77B-C117B505A95A}" type="datetimeFigureOut">
               <a:rPr lang="en-AU" smtClean="0"/>
-              <a:t>23/07/2018</a:t>
+              <a:t>14/04/2019</a:t>
             </a:fld>
             <a:endParaRPr lang="en-AU"/>
           </a:p>
@@ -2925,7 +2930,7 @@
           <a:p>
             <a:fld id="{30E136DB-CF8E-4657-B77B-C117B505A95A}" type="datetimeFigureOut">
               <a:rPr lang="en-AU" smtClean="0"/>
-              <a:t>23/07/2018</a:t>
+              <a:t>14/04/2019</a:t>
             </a:fld>
             <a:endParaRPr lang="en-AU"/>
           </a:p>
@@ -4071,6 +4076,733 @@
           </p:txBody>
         </p:sp>
       </p:grpSp>
+      <p:grpSp>
+        <p:nvGrpSpPr>
+          <p:cNvPr id="2" name="Group 1">
+            <a:extLst>
+              <a:ext uri="{FF2B5EF4-FFF2-40B4-BE49-F238E27FC236}">
+                <a16:creationId xmlns:a16="http://schemas.microsoft.com/office/drawing/2014/main" id="{E51AAB66-0570-4F74-A3FA-E5EDCAF37473}"/>
+              </a:ext>
+            </a:extLst>
+          </p:cNvPr>
+          <p:cNvGrpSpPr/>
+          <p:nvPr/>
+        </p:nvGrpSpPr>
+        <p:grpSpPr>
+          <a:xfrm>
+            <a:off x="771479" y="1872000"/>
+            <a:ext cx="6148208" cy="261610"/>
+            <a:chOff x="771479" y="1872000"/>
+            <a:chExt cx="6148208" cy="261610"/>
+          </a:xfrm>
+        </p:grpSpPr>
+        <p:sp>
+          <p:nvSpPr>
+            <p:cNvPr id="18" name="Rectangle 17">
+              <a:extLst>
+                <a:ext uri="{FF2B5EF4-FFF2-40B4-BE49-F238E27FC236}">
+                  <a16:creationId xmlns:a16="http://schemas.microsoft.com/office/drawing/2014/main" id="{3E9AF433-AB16-40C6-946B-696104D80457}"/>
+                </a:ext>
+              </a:extLst>
+            </p:cNvPr>
+            <p:cNvSpPr/>
+            <p:nvPr/>
+          </p:nvSpPr>
+          <p:spPr>
+            <a:xfrm>
+              <a:off x="771479" y="1872000"/>
+              <a:ext cx="612000" cy="261610"/>
+            </a:xfrm>
+            <a:prstGeom prst="rect">
+              <a:avLst/>
+            </a:prstGeom>
+            <a:solidFill>
+              <a:schemeClr val="accent1"/>
+            </a:solidFill>
+            <a:ln>
+              <a:solidFill>
+                <a:schemeClr val="tx1"/>
+              </a:solidFill>
+            </a:ln>
+          </p:spPr>
+          <p:style>
+            <a:lnRef idx="2">
+              <a:schemeClr val="accent1">
+                <a:shade val="50000"/>
+              </a:schemeClr>
+            </a:lnRef>
+            <a:fillRef idx="1">
+              <a:schemeClr val="accent1"/>
+            </a:fillRef>
+            <a:effectRef idx="0">
+              <a:schemeClr val="accent1"/>
+            </a:effectRef>
+            <a:fontRef idx="minor">
+              <a:schemeClr val="lt1"/>
+            </a:fontRef>
+          </p:style>
+          <p:txBody>
+            <a:bodyPr rtlCol="0" anchor="ctr">
+              <a:spAutoFit/>
+            </a:bodyPr>
+            <a:lstStyle/>
+            <a:p>
+              <a:pPr algn="ctr"/>
+              <a:r>
+                <a:rPr lang="en-AU" sz="1100" dirty="0">
+                  <a:solidFill>
+                    <a:schemeClr val="bg1"/>
+                  </a:solidFill>
+                </a:rPr>
+                <a:t>Start</a:t>
+              </a:r>
+            </a:p>
+          </p:txBody>
+        </p:sp>
+        <p:sp>
+          <p:nvSpPr>
+            <p:cNvPr id="19" name="Rectangle 18">
+              <a:extLst>
+                <a:ext uri="{FF2B5EF4-FFF2-40B4-BE49-F238E27FC236}">
+                  <a16:creationId xmlns:a16="http://schemas.microsoft.com/office/drawing/2014/main" id="{B9874E45-FB11-41CC-A243-A37BB4F9E4B5}"/>
+                </a:ext>
+              </a:extLst>
+            </p:cNvPr>
+            <p:cNvSpPr/>
+            <p:nvPr/>
+          </p:nvSpPr>
+          <p:spPr>
+            <a:xfrm>
+              <a:off x="1387335" y="1872000"/>
+              <a:ext cx="648000" cy="261610"/>
+            </a:xfrm>
+            <a:prstGeom prst="rect">
+              <a:avLst/>
+            </a:prstGeom>
+            <a:solidFill>
+              <a:schemeClr val="accent1">
+                <a:lumMod val="20000"/>
+                <a:lumOff val="80000"/>
+              </a:schemeClr>
+            </a:solidFill>
+            <a:ln>
+              <a:solidFill>
+                <a:schemeClr val="tx1"/>
+              </a:solidFill>
+            </a:ln>
+          </p:spPr>
+          <p:style>
+            <a:lnRef idx="2">
+              <a:schemeClr val="accent1">
+                <a:shade val="50000"/>
+              </a:schemeClr>
+            </a:lnRef>
+            <a:fillRef idx="1">
+              <a:schemeClr val="accent1"/>
+            </a:fillRef>
+            <a:effectRef idx="0">
+              <a:schemeClr val="accent1"/>
+            </a:effectRef>
+            <a:fontRef idx="minor">
+              <a:schemeClr val="lt1"/>
+            </a:fontRef>
+          </p:style>
+          <p:txBody>
+            <a:bodyPr rtlCol="0" anchor="ctr">
+              <a:spAutoFit/>
+            </a:bodyPr>
+            <a:lstStyle/>
+            <a:p>
+              <a:pPr algn="ctr"/>
+              <a:r>
+                <a:rPr lang="en-AU" sz="1100" dirty="0">
+                  <a:solidFill>
+                    <a:schemeClr val="tx1"/>
+                  </a:solidFill>
+                </a:rPr>
+                <a:t>Version</a:t>
+              </a:r>
+            </a:p>
+          </p:txBody>
+        </p:sp>
+        <p:sp>
+          <p:nvSpPr>
+            <p:cNvPr id="20" name="Rectangle 19">
+              <a:extLst>
+                <a:ext uri="{FF2B5EF4-FFF2-40B4-BE49-F238E27FC236}">
+                  <a16:creationId xmlns:a16="http://schemas.microsoft.com/office/drawing/2014/main" id="{5B094F17-7762-43E5-9D96-F31FD90644C8}"/>
+                </a:ext>
+              </a:extLst>
+            </p:cNvPr>
+            <p:cNvSpPr/>
+            <p:nvPr/>
+          </p:nvSpPr>
+          <p:spPr>
+            <a:xfrm>
+              <a:off x="2028562" y="1872000"/>
+              <a:ext cx="612000" cy="261610"/>
+            </a:xfrm>
+            <a:prstGeom prst="rect">
+              <a:avLst/>
+            </a:prstGeom>
+            <a:solidFill>
+              <a:schemeClr val="accent1">
+                <a:lumMod val="20000"/>
+                <a:lumOff val="80000"/>
+              </a:schemeClr>
+            </a:solidFill>
+            <a:ln>
+              <a:solidFill>
+                <a:schemeClr val="tx1"/>
+              </a:solidFill>
+            </a:ln>
+          </p:spPr>
+          <p:style>
+            <a:lnRef idx="2">
+              <a:schemeClr val="accent1">
+                <a:shade val="50000"/>
+              </a:schemeClr>
+            </a:lnRef>
+            <a:fillRef idx="1">
+              <a:schemeClr val="accent1"/>
+            </a:fillRef>
+            <a:effectRef idx="0">
+              <a:schemeClr val="accent1"/>
+            </a:effectRef>
+            <a:fontRef idx="minor">
+              <a:schemeClr val="lt1"/>
+            </a:fontRef>
+          </p:style>
+          <p:txBody>
+            <a:bodyPr rtlCol="0" anchor="ctr">
+              <a:spAutoFit/>
+            </a:bodyPr>
+            <a:lstStyle/>
+            <a:p>
+              <a:pPr algn="ctr"/>
+              <a:r>
+                <a:rPr lang="en-AU" sz="1100" dirty="0">
+                  <a:solidFill>
+                    <a:schemeClr val="tx1"/>
+                  </a:solidFill>
+                </a:rPr>
+                <a:t>Length</a:t>
+              </a:r>
+            </a:p>
+          </p:txBody>
+        </p:sp>
+        <p:sp>
+          <p:nvSpPr>
+            <p:cNvPr id="21" name="Rectangle 20">
+              <a:extLst>
+                <a:ext uri="{FF2B5EF4-FFF2-40B4-BE49-F238E27FC236}">
+                  <a16:creationId xmlns:a16="http://schemas.microsoft.com/office/drawing/2014/main" id="{23435303-4A0A-4560-8A53-08D22367F3D2}"/>
+                </a:ext>
+              </a:extLst>
+            </p:cNvPr>
+            <p:cNvSpPr/>
+            <p:nvPr/>
+          </p:nvSpPr>
+          <p:spPr>
+            <a:xfrm>
+              <a:off x="2633787" y="1872000"/>
+              <a:ext cx="612000" cy="261610"/>
+            </a:xfrm>
+            <a:prstGeom prst="rect">
+              <a:avLst/>
+            </a:prstGeom>
+            <a:solidFill>
+              <a:schemeClr val="accent1">
+                <a:lumMod val="20000"/>
+                <a:lumOff val="80000"/>
+              </a:schemeClr>
+            </a:solidFill>
+            <a:ln>
+              <a:solidFill>
+                <a:schemeClr val="tx1"/>
+              </a:solidFill>
+            </a:ln>
+          </p:spPr>
+          <p:style>
+            <a:lnRef idx="2">
+              <a:schemeClr val="accent1">
+                <a:shade val="50000"/>
+              </a:schemeClr>
+            </a:lnRef>
+            <a:fillRef idx="1">
+              <a:schemeClr val="accent1"/>
+            </a:fillRef>
+            <a:effectRef idx="0">
+              <a:schemeClr val="accent1"/>
+            </a:effectRef>
+            <a:fontRef idx="minor">
+              <a:schemeClr val="lt1"/>
+            </a:fontRef>
+          </p:style>
+          <p:txBody>
+            <a:bodyPr rtlCol="0" anchor="ctr">
+              <a:spAutoFit/>
+            </a:bodyPr>
+            <a:lstStyle/>
+            <a:p>
+              <a:pPr algn="ctr"/>
+              <a:r>
+                <a:rPr lang="en-AU" sz="1100" dirty="0" err="1">
+                  <a:solidFill>
+                    <a:schemeClr val="tx1"/>
+                  </a:solidFill>
+                </a:rPr>
+                <a:t>Cmd</a:t>
+              </a:r>
+              <a:endParaRPr lang="en-AU" sz="1100" dirty="0">
+                <a:solidFill>
+                  <a:schemeClr val="tx1"/>
+                </a:solidFill>
+              </a:endParaRPr>
+            </a:p>
+          </p:txBody>
+        </p:sp>
+        <p:sp>
+          <p:nvSpPr>
+            <p:cNvPr id="22" name="Rectangle 21">
+              <a:extLst>
+                <a:ext uri="{FF2B5EF4-FFF2-40B4-BE49-F238E27FC236}">
+                  <a16:creationId xmlns:a16="http://schemas.microsoft.com/office/drawing/2014/main" id="{AFB0093E-858C-4E2F-9A7E-AF8185EFF4E6}"/>
+                </a:ext>
+              </a:extLst>
+            </p:cNvPr>
+            <p:cNvSpPr/>
+            <p:nvPr/>
+          </p:nvSpPr>
+          <p:spPr>
+            <a:xfrm>
+              <a:off x="3239014" y="1872000"/>
+              <a:ext cx="612000" cy="261610"/>
+            </a:xfrm>
+            <a:prstGeom prst="rect">
+              <a:avLst/>
+            </a:prstGeom>
+            <a:solidFill>
+              <a:schemeClr val="accent1">
+                <a:lumMod val="20000"/>
+                <a:lumOff val="80000"/>
+              </a:schemeClr>
+            </a:solidFill>
+            <a:ln>
+              <a:solidFill>
+                <a:schemeClr val="tx1"/>
+              </a:solidFill>
+            </a:ln>
+          </p:spPr>
+          <p:style>
+            <a:lnRef idx="2">
+              <a:schemeClr val="accent1">
+                <a:shade val="50000"/>
+              </a:schemeClr>
+            </a:lnRef>
+            <a:fillRef idx="1">
+              <a:schemeClr val="accent1"/>
+            </a:fillRef>
+            <a:effectRef idx="0">
+              <a:schemeClr val="accent1"/>
+            </a:effectRef>
+            <a:fontRef idx="minor">
+              <a:schemeClr val="lt1"/>
+            </a:fontRef>
+          </p:style>
+          <p:txBody>
+            <a:bodyPr rtlCol="0" anchor="ctr">
+              <a:spAutoFit/>
+            </a:bodyPr>
+            <a:lstStyle/>
+            <a:p>
+              <a:pPr algn="ctr"/>
+              <a:r>
+                <a:rPr lang="en-AU" sz="1100" dirty="0" err="1">
+                  <a:solidFill>
+                    <a:schemeClr val="tx1"/>
+                  </a:solidFill>
+                </a:rPr>
+                <a:t>Fback</a:t>
+              </a:r>
+              <a:endParaRPr lang="en-AU" sz="1100" dirty="0">
+                <a:solidFill>
+                  <a:schemeClr val="tx1"/>
+                </a:solidFill>
+              </a:endParaRPr>
+            </a:p>
+          </p:txBody>
+        </p:sp>
+        <p:sp>
+          <p:nvSpPr>
+            <p:cNvPr id="23" name="Rectangle 22">
+              <a:extLst>
+                <a:ext uri="{FF2B5EF4-FFF2-40B4-BE49-F238E27FC236}">
+                  <a16:creationId xmlns:a16="http://schemas.microsoft.com/office/drawing/2014/main" id="{96264173-5ACC-4E7A-A908-93CC83F750DD}"/>
+                </a:ext>
+              </a:extLst>
+            </p:cNvPr>
+            <p:cNvSpPr/>
+            <p:nvPr/>
+          </p:nvSpPr>
+          <p:spPr>
+            <a:xfrm>
+              <a:off x="3844234" y="1872000"/>
+              <a:ext cx="612000" cy="261610"/>
+            </a:xfrm>
+            <a:prstGeom prst="rect">
+              <a:avLst/>
+            </a:prstGeom>
+            <a:solidFill>
+              <a:schemeClr val="accent1">
+                <a:lumMod val="20000"/>
+                <a:lumOff val="80000"/>
+              </a:schemeClr>
+            </a:solidFill>
+            <a:ln>
+              <a:solidFill>
+                <a:schemeClr val="tx1"/>
+              </a:solidFill>
+            </a:ln>
+          </p:spPr>
+          <p:style>
+            <a:lnRef idx="2">
+              <a:schemeClr val="accent1">
+                <a:shade val="50000"/>
+              </a:schemeClr>
+            </a:lnRef>
+            <a:fillRef idx="1">
+              <a:schemeClr val="accent1"/>
+            </a:fillRef>
+            <a:effectRef idx="0">
+              <a:schemeClr val="accent1"/>
+            </a:effectRef>
+            <a:fontRef idx="minor">
+              <a:schemeClr val="lt1"/>
+            </a:fontRef>
+          </p:style>
+          <p:txBody>
+            <a:bodyPr rtlCol="0" anchor="ctr">
+              <a:spAutoFit/>
+            </a:bodyPr>
+            <a:lstStyle/>
+            <a:p>
+              <a:pPr algn="ctr"/>
+              <a:r>
+                <a:rPr lang="en-AU" sz="1100" dirty="0" err="1">
+                  <a:solidFill>
+                    <a:schemeClr val="tx1"/>
+                  </a:solidFill>
+                </a:rPr>
+                <a:t>DataHi</a:t>
+              </a:r>
+              <a:endParaRPr lang="en-AU" sz="1100" dirty="0">
+                <a:solidFill>
+                  <a:schemeClr val="tx1"/>
+                </a:solidFill>
+              </a:endParaRPr>
+            </a:p>
+          </p:txBody>
+        </p:sp>
+        <p:sp>
+          <p:nvSpPr>
+            <p:cNvPr id="24" name="Rectangle 23">
+              <a:extLst>
+                <a:ext uri="{FF2B5EF4-FFF2-40B4-BE49-F238E27FC236}">
+                  <a16:creationId xmlns:a16="http://schemas.microsoft.com/office/drawing/2014/main" id="{E1E9CED2-C1FF-4D8C-BBD9-5D871EEF4AB9}"/>
+                </a:ext>
+              </a:extLst>
+            </p:cNvPr>
+            <p:cNvSpPr/>
+            <p:nvPr/>
+          </p:nvSpPr>
+          <p:spPr>
+            <a:xfrm>
+              <a:off x="4460097" y="1872000"/>
+              <a:ext cx="612000" cy="261610"/>
+            </a:xfrm>
+            <a:prstGeom prst="rect">
+              <a:avLst/>
+            </a:prstGeom>
+            <a:solidFill>
+              <a:schemeClr val="accent1">
+                <a:lumMod val="20000"/>
+                <a:lumOff val="80000"/>
+              </a:schemeClr>
+            </a:solidFill>
+            <a:ln>
+              <a:solidFill>
+                <a:schemeClr val="tx1"/>
+              </a:solidFill>
+            </a:ln>
+          </p:spPr>
+          <p:style>
+            <a:lnRef idx="2">
+              <a:schemeClr val="accent1">
+                <a:shade val="50000"/>
+              </a:schemeClr>
+            </a:lnRef>
+            <a:fillRef idx="1">
+              <a:schemeClr val="accent1"/>
+            </a:fillRef>
+            <a:effectRef idx="0">
+              <a:schemeClr val="accent1"/>
+            </a:effectRef>
+            <a:fontRef idx="minor">
+              <a:schemeClr val="lt1"/>
+            </a:fontRef>
+          </p:style>
+          <p:txBody>
+            <a:bodyPr rtlCol="0" anchor="ctr">
+              <a:spAutoFit/>
+            </a:bodyPr>
+            <a:lstStyle/>
+            <a:p>
+              <a:pPr algn="ctr"/>
+              <a:r>
+                <a:rPr lang="en-AU" sz="1100" dirty="0" err="1">
+                  <a:solidFill>
+                    <a:schemeClr val="tx1"/>
+                  </a:solidFill>
+                </a:rPr>
+                <a:t>DataLo</a:t>
+              </a:r>
+              <a:endParaRPr lang="en-AU" sz="1100" dirty="0">
+                <a:solidFill>
+                  <a:schemeClr val="tx1"/>
+                </a:solidFill>
+              </a:endParaRPr>
+            </a:p>
+          </p:txBody>
+        </p:sp>
+        <p:sp>
+          <p:nvSpPr>
+            <p:cNvPr id="25" name="Rectangle 24">
+              <a:extLst>
+                <a:ext uri="{FF2B5EF4-FFF2-40B4-BE49-F238E27FC236}">
+                  <a16:creationId xmlns:a16="http://schemas.microsoft.com/office/drawing/2014/main" id="{1B75B580-8F8B-4CC2-9A29-234C0FA24F9B}"/>
+                </a:ext>
+              </a:extLst>
+            </p:cNvPr>
+            <p:cNvSpPr/>
+            <p:nvPr/>
+          </p:nvSpPr>
+          <p:spPr>
+            <a:xfrm>
+              <a:off x="5073848" y="1872000"/>
+              <a:ext cx="612000" cy="261610"/>
+            </a:xfrm>
+            <a:prstGeom prst="rect">
+              <a:avLst/>
+            </a:prstGeom>
+            <a:solidFill>
+              <a:schemeClr val="accent1">
+                <a:lumMod val="60000"/>
+                <a:lumOff val="40000"/>
+              </a:schemeClr>
+            </a:solidFill>
+            <a:ln>
+              <a:solidFill>
+                <a:schemeClr val="tx1"/>
+              </a:solidFill>
+            </a:ln>
+          </p:spPr>
+          <p:style>
+            <a:lnRef idx="2">
+              <a:schemeClr val="accent1">
+                <a:shade val="50000"/>
+              </a:schemeClr>
+            </a:lnRef>
+            <a:fillRef idx="1">
+              <a:schemeClr val="accent1"/>
+            </a:fillRef>
+            <a:effectRef idx="0">
+              <a:schemeClr val="accent1"/>
+            </a:effectRef>
+            <a:fontRef idx="minor">
+              <a:schemeClr val="lt1"/>
+            </a:fontRef>
+          </p:style>
+          <p:txBody>
+            <a:bodyPr rtlCol="0" anchor="ctr">
+              <a:spAutoFit/>
+            </a:bodyPr>
+            <a:lstStyle/>
+            <a:p>
+              <a:pPr algn="ctr"/>
+              <a:r>
+                <a:rPr lang="en-AU" sz="1100" dirty="0">
+                  <a:solidFill>
+                    <a:schemeClr val="tx1"/>
+                  </a:solidFill>
+                </a:rPr>
+                <a:t>[</a:t>
+              </a:r>
+              <a:r>
+                <a:rPr lang="en-AU" sz="1100" dirty="0" err="1">
+                  <a:solidFill>
+                    <a:schemeClr val="tx1"/>
+                  </a:solidFill>
+                </a:rPr>
+                <a:t>ChkHi</a:t>
+              </a:r>
+              <a:r>
+                <a:rPr lang="en-AU" sz="1100" dirty="0">
+                  <a:solidFill>
+                    <a:schemeClr val="tx1"/>
+                  </a:solidFill>
+                </a:rPr>
+                <a:t>]</a:t>
+              </a:r>
+            </a:p>
+          </p:txBody>
+        </p:sp>
+        <p:sp>
+          <p:nvSpPr>
+            <p:cNvPr id="26" name="Rectangle 25">
+              <a:extLst>
+                <a:ext uri="{FF2B5EF4-FFF2-40B4-BE49-F238E27FC236}">
+                  <a16:creationId xmlns:a16="http://schemas.microsoft.com/office/drawing/2014/main" id="{C829F812-2FAE-45B6-A1E4-1BCC58DEEDF8}"/>
+                </a:ext>
+              </a:extLst>
+            </p:cNvPr>
+            <p:cNvSpPr/>
+            <p:nvPr/>
+          </p:nvSpPr>
+          <p:spPr>
+            <a:xfrm>
+              <a:off x="5691831" y="1872000"/>
+              <a:ext cx="612000" cy="261610"/>
+            </a:xfrm>
+            <a:prstGeom prst="rect">
+              <a:avLst/>
+            </a:prstGeom>
+            <a:solidFill>
+              <a:schemeClr val="accent1">
+                <a:lumMod val="60000"/>
+                <a:lumOff val="40000"/>
+              </a:schemeClr>
+            </a:solidFill>
+            <a:ln>
+              <a:solidFill>
+                <a:schemeClr val="tx1"/>
+              </a:solidFill>
+            </a:ln>
+          </p:spPr>
+          <p:style>
+            <a:lnRef idx="2">
+              <a:schemeClr val="accent1">
+                <a:shade val="50000"/>
+              </a:schemeClr>
+            </a:lnRef>
+            <a:fillRef idx="1">
+              <a:schemeClr val="accent1"/>
+            </a:fillRef>
+            <a:effectRef idx="0">
+              <a:schemeClr val="accent1"/>
+            </a:effectRef>
+            <a:fontRef idx="minor">
+              <a:schemeClr val="lt1"/>
+            </a:fontRef>
+          </p:style>
+          <p:txBody>
+            <a:bodyPr rtlCol="0" anchor="ctr">
+              <a:spAutoFit/>
+            </a:bodyPr>
+            <a:lstStyle/>
+            <a:p>
+              <a:pPr algn="ctr"/>
+              <a:r>
+                <a:rPr lang="en-AU" sz="1100" dirty="0">
+                  <a:solidFill>
+                    <a:schemeClr val="tx1"/>
+                  </a:solidFill>
+                </a:rPr>
+                <a:t>[</a:t>
+              </a:r>
+              <a:r>
+                <a:rPr lang="en-AU" sz="1100" dirty="0" err="1">
+                  <a:solidFill>
+                    <a:schemeClr val="tx1"/>
+                  </a:solidFill>
+                </a:rPr>
+                <a:t>ChkLo</a:t>
+              </a:r>
+              <a:r>
+                <a:rPr lang="en-AU" sz="1100" dirty="0">
+                  <a:solidFill>
+                    <a:schemeClr val="tx1"/>
+                  </a:solidFill>
+                </a:rPr>
+                <a:t>]</a:t>
+              </a:r>
+            </a:p>
+          </p:txBody>
+        </p:sp>
+        <p:sp>
+          <p:nvSpPr>
+            <p:cNvPr id="27" name="Rectangle 26">
+              <a:extLst>
+                <a:ext uri="{FF2B5EF4-FFF2-40B4-BE49-F238E27FC236}">
+                  <a16:creationId xmlns:a16="http://schemas.microsoft.com/office/drawing/2014/main" id="{D80AB84F-4840-4DD1-9BF4-E73376CF16C7}"/>
+                </a:ext>
+              </a:extLst>
+            </p:cNvPr>
+            <p:cNvSpPr/>
+            <p:nvPr/>
+          </p:nvSpPr>
+          <p:spPr>
+            <a:xfrm>
+              <a:off x="6307687" y="1872000"/>
+              <a:ext cx="612000" cy="261610"/>
+            </a:xfrm>
+            <a:prstGeom prst="rect">
+              <a:avLst/>
+            </a:prstGeom>
+            <a:solidFill>
+              <a:schemeClr val="accent1"/>
+            </a:solidFill>
+            <a:ln>
+              <a:solidFill>
+                <a:schemeClr val="tx1"/>
+              </a:solidFill>
+            </a:ln>
+          </p:spPr>
+          <p:style>
+            <a:lnRef idx="2">
+              <a:schemeClr val="accent1">
+                <a:shade val="50000"/>
+              </a:schemeClr>
+            </a:lnRef>
+            <a:fillRef idx="1">
+              <a:schemeClr val="accent1"/>
+            </a:fillRef>
+            <a:effectRef idx="0">
+              <a:schemeClr val="accent1"/>
+            </a:effectRef>
+            <a:fontRef idx="minor">
+              <a:schemeClr val="lt1"/>
+            </a:fontRef>
+          </p:style>
+          <p:txBody>
+            <a:bodyPr rtlCol="0" anchor="ctr">
+              <a:spAutoFit/>
+            </a:bodyPr>
+            <a:lstStyle/>
+            <a:p>
+              <a:pPr algn="ctr"/>
+              <a:r>
+                <a:rPr lang="en-AU" sz="1100" dirty="0">
+                  <a:solidFill>
+                    <a:schemeClr val="bg1"/>
+                  </a:solidFill>
+                </a:rPr>
+                <a:t>End</a:t>
+              </a:r>
+            </a:p>
+          </p:txBody>
+        </p:sp>
+      </p:grpSp>
     </p:spTree>
     <p:extLst>
       <p:ext uri="{BB962C8B-B14F-4D97-AF65-F5344CB8AC3E}">

--- a/media/photo/YX5300 Diagrams.pptx
+++ b/media/photo/YX5300 Diagrams.pptx
@@ -261,7 +261,7 @@
           <a:p>
             <a:fld id="{30E136DB-CF8E-4657-B77B-C117B505A95A}" type="datetimeFigureOut">
               <a:rPr lang="en-AU" smtClean="0"/>
-              <a:t>14/04/2019</a:t>
+              <a:t>25/04/2019</a:t>
             </a:fld>
             <a:endParaRPr lang="en-AU"/>
           </a:p>
@@ -461,7 +461,7 @@
           <a:p>
             <a:fld id="{30E136DB-CF8E-4657-B77B-C117B505A95A}" type="datetimeFigureOut">
               <a:rPr lang="en-AU" smtClean="0"/>
-              <a:t>14/04/2019</a:t>
+              <a:t>25/04/2019</a:t>
             </a:fld>
             <a:endParaRPr lang="en-AU"/>
           </a:p>
@@ -671,7 +671,7 @@
           <a:p>
             <a:fld id="{30E136DB-CF8E-4657-B77B-C117B505A95A}" type="datetimeFigureOut">
               <a:rPr lang="en-AU" smtClean="0"/>
-              <a:t>14/04/2019</a:t>
+              <a:t>25/04/2019</a:t>
             </a:fld>
             <a:endParaRPr lang="en-AU"/>
           </a:p>
@@ -871,7 +871,7 @@
           <a:p>
             <a:fld id="{30E136DB-CF8E-4657-B77B-C117B505A95A}" type="datetimeFigureOut">
               <a:rPr lang="en-AU" smtClean="0"/>
-              <a:t>14/04/2019</a:t>
+              <a:t>25/04/2019</a:t>
             </a:fld>
             <a:endParaRPr lang="en-AU"/>
           </a:p>
@@ -1147,7 +1147,7 @@
           <a:p>
             <a:fld id="{30E136DB-CF8E-4657-B77B-C117B505A95A}" type="datetimeFigureOut">
               <a:rPr lang="en-AU" smtClean="0"/>
-              <a:t>14/04/2019</a:t>
+              <a:t>25/04/2019</a:t>
             </a:fld>
             <a:endParaRPr lang="en-AU"/>
           </a:p>
@@ -1415,7 +1415,7 @@
           <a:p>
             <a:fld id="{30E136DB-CF8E-4657-B77B-C117B505A95A}" type="datetimeFigureOut">
               <a:rPr lang="en-AU" smtClean="0"/>
-              <a:t>14/04/2019</a:t>
+              <a:t>25/04/2019</a:t>
             </a:fld>
             <a:endParaRPr lang="en-AU"/>
           </a:p>
@@ -1830,7 +1830,7 @@
           <a:p>
             <a:fld id="{30E136DB-CF8E-4657-B77B-C117B505A95A}" type="datetimeFigureOut">
               <a:rPr lang="en-AU" smtClean="0"/>
-              <a:t>14/04/2019</a:t>
+              <a:t>25/04/2019</a:t>
             </a:fld>
             <a:endParaRPr lang="en-AU"/>
           </a:p>
@@ -1972,7 +1972,7 @@
           <a:p>
             <a:fld id="{30E136DB-CF8E-4657-B77B-C117B505A95A}" type="datetimeFigureOut">
               <a:rPr lang="en-AU" smtClean="0"/>
-              <a:t>14/04/2019</a:t>
+              <a:t>25/04/2019</a:t>
             </a:fld>
             <a:endParaRPr lang="en-AU"/>
           </a:p>
@@ -2085,7 +2085,7 @@
           <a:p>
             <a:fld id="{30E136DB-CF8E-4657-B77B-C117B505A95A}" type="datetimeFigureOut">
               <a:rPr lang="en-AU" smtClean="0"/>
-              <a:t>14/04/2019</a:t>
+              <a:t>25/04/2019</a:t>
             </a:fld>
             <a:endParaRPr lang="en-AU"/>
           </a:p>
@@ -2398,7 +2398,7 @@
           <a:p>
             <a:fld id="{30E136DB-CF8E-4657-B77B-C117B505A95A}" type="datetimeFigureOut">
               <a:rPr lang="en-AU" smtClean="0"/>
-              <a:t>14/04/2019</a:t>
+              <a:t>25/04/2019</a:t>
             </a:fld>
             <a:endParaRPr lang="en-AU"/>
           </a:p>
@@ -2687,7 +2687,7 @@
           <a:p>
             <a:fld id="{30E136DB-CF8E-4657-B77B-C117B505A95A}" type="datetimeFigureOut">
               <a:rPr lang="en-AU" smtClean="0"/>
-              <a:t>14/04/2019</a:t>
+              <a:t>25/04/2019</a:t>
             </a:fld>
             <a:endParaRPr lang="en-AU"/>
           </a:p>
@@ -2930,7 +2930,7 @@
           <a:p>
             <a:fld id="{30E136DB-CF8E-4657-B77B-C117B505A95A}" type="datetimeFigureOut">
               <a:rPr lang="en-AU" smtClean="0"/>
-              <a:t>14/04/2019</a:t>
+              <a:t>25/04/2019</a:t>
             </a:fld>
             <a:endParaRPr lang="en-AU"/>
           </a:p>
@@ -4803,6 +4803,1296 @@
           </p:txBody>
         </p:sp>
       </p:grpSp>
+      <p:grpSp>
+        <p:nvGrpSpPr>
+          <p:cNvPr id="35" name="Group 34">
+            <a:extLst>
+              <a:ext uri="{FF2B5EF4-FFF2-40B4-BE49-F238E27FC236}">
+                <a16:creationId xmlns:a16="http://schemas.microsoft.com/office/drawing/2014/main" id="{27261586-A8BD-44DE-838D-8C6CFE66F860}"/>
+              </a:ext>
+            </a:extLst>
+          </p:cNvPr>
+          <p:cNvGrpSpPr/>
+          <p:nvPr/>
+        </p:nvGrpSpPr>
+        <p:grpSpPr>
+          <a:xfrm>
+            <a:off x="955548" y="3111500"/>
+            <a:ext cx="2133600" cy="533400"/>
+            <a:chOff x="2857500" y="1892300"/>
+            <a:chExt cx="2133600" cy="533400"/>
+          </a:xfrm>
+        </p:grpSpPr>
+        <p:sp>
+          <p:nvSpPr>
+            <p:cNvPr id="36" name="Rectangle 35">
+              <a:extLst>
+                <a:ext uri="{FF2B5EF4-FFF2-40B4-BE49-F238E27FC236}">
+                  <a16:creationId xmlns:a16="http://schemas.microsoft.com/office/drawing/2014/main" id="{1C5B14A0-19F1-45B8-8DA3-785935845F2C}"/>
+                </a:ext>
+              </a:extLst>
+            </p:cNvPr>
+            <p:cNvSpPr/>
+            <p:nvPr/>
+          </p:nvSpPr>
+          <p:spPr>
+            <a:xfrm>
+              <a:off x="3962400" y="1892300"/>
+              <a:ext cx="1028700" cy="533400"/>
+            </a:xfrm>
+            <a:prstGeom prst="rect">
+              <a:avLst/>
+            </a:prstGeom>
+            <a:ln>
+              <a:solidFill>
+                <a:schemeClr val="tx1"/>
+              </a:solidFill>
+            </a:ln>
+          </p:spPr>
+          <p:style>
+            <a:lnRef idx="2">
+              <a:schemeClr val="accent1">
+                <a:shade val="50000"/>
+              </a:schemeClr>
+            </a:lnRef>
+            <a:fillRef idx="1">
+              <a:schemeClr val="accent1"/>
+            </a:fillRef>
+            <a:effectRef idx="0">
+              <a:schemeClr val="accent1"/>
+            </a:effectRef>
+            <a:fontRef idx="minor">
+              <a:schemeClr val="lt1"/>
+            </a:fontRef>
+          </p:style>
+          <p:txBody>
+            <a:bodyPr rtlCol="0" anchor="ctr"/>
+            <a:lstStyle/>
+            <a:p>
+              <a:pPr algn="ctr"/>
+              <a:r>
+                <a:rPr lang="en-AU" dirty="0"/>
+                <a:t>Volume Pot</a:t>
+              </a:r>
+            </a:p>
+          </p:txBody>
+        </p:sp>
+        <p:sp>
+          <p:nvSpPr>
+            <p:cNvPr id="37" name="Rectangle 36">
+              <a:extLst>
+                <a:ext uri="{FF2B5EF4-FFF2-40B4-BE49-F238E27FC236}">
+                  <a16:creationId xmlns:a16="http://schemas.microsoft.com/office/drawing/2014/main" id="{80093A27-3970-422E-B5C3-165BA2AE800E}"/>
+                </a:ext>
+              </a:extLst>
+            </p:cNvPr>
+            <p:cNvSpPr/>
+            <p:nvPr/>
+          </p:nvSpPr>
+          <p:spPr>
+            <a:xfrm>
+              <a:off x="2857500" y="1892300"/>
+              <a:ext cx="1028700" cy="533400"/>
+            </a:xfrm>
+            <a:prstGeom prst="rect">
+              <a:avLst/>
+            </a:prstGeom>
+            <a:ln>
+              <a:solidFill>
+                <a:schemeClr val="tx1"/>
+              </a:solidFill>
+            </a:ln>
+          </p:spPr>
+          <p:style>
+            <a:lnRef idx="2">
+              <a:schemeClr val="accent1">
+                <a:shade val="50000"/>
+              </a:schemeClr>
+            </a:lnRef>
+            <a:fillRef idx="1">
+              <a:schemeClr val="accent1"/>
+            </a:fillRef>
+            <a:effectRef idx="0">
+              <a:schemeClr val="accent1"/>
+            </a:effectRef>
+            <a:fontRef idx="minor">
+              <a:schemeClr val="lt1"/>
+            </a:fontRef>
+          </p:style>
+          <p:txBody>
+            <a:bodyPr rtlCol="0" anchor="ctr"/>
+            <a:lstStyle/>
+            <a:p>
+              <a:pPr algn="ctr"/>
+              <a:r>
+                <a:rPr lang="en-AU" dirty="0"/>
+                <a:t>Input</a:t>
+              </a:r>
+            </a:p>
+            <a:p>
+              <a:pPr algn="ctr"/>
+              <a:r>
+                <a:rPr lang="en-AU" dirty="0"/>
+                <a:t>Switch</a:t>
+              </a:r>
+            </a:p>
+          </p:txBody>
+        </p:sp>
+      </p:grpSp>
+      <p:sp>
+        <p:nvSpPr>
+          <p:cNvPr id="39" name="Rectangle 38">
+            <a:extLst>
+              <a:ext uri="{FF2B5EF4-FFF2-40B4-BE49-F238E27FC236}">
+                <a16:creationId xmlns:a16="http://schemas.microsoft.com/office/drawing/2014/main" id="{331C2A05-57E7-4D21-AC06-722F8B0FBA52}"/>
+              </a:ext>
+            </a:extLst>
+          </p:cNvPr>
+          <p:cNvSpPr/>
+          <p:nvPr/>
+        </p:nvSpPr>
+        <p:spPr>
+          <a:xfrm>
+            <a:off x="1238123" y="3905250"/>
+            <a:ext cx="1568450" cy="532357"/>
+          </a:xfrm>
+          <a:prstGeom prst="rect">
+            <a:avLst/>
+          </a:prstGeom>
+          <a:solidFill>
+            <a:schemeClr val="accent2">
+              <a:lumMod val="60000"/>
+              <a:lumOff val="40000"/>
+            </a:schemeClr>
+          </a:solidFill>
+          <a:ln>
+            <a:solidFill>
+              <a:schemeClr val="tx1"/>
+            </a:solidFill>
+          </a:ln>
+        </p:spPr>
+        <p:style>
+          <a:lnRef idx="2">
+            <a:schemeClr val="accent1">
+              <a:shade val="50000"/>
+            </a:schemeClr>
+          </a:lnRef>
+          <a:fillRef idx="1">
+            <a:schemeClr val="accent1"/>
+          </a:fillRef>
+          <a:effectRef idx="0">
+            <a:schemeClr val="accent1"/>
+          </a:effectRef>
+          <a:fontRef idx="minor">
+            <a:schemeClr val="lt1"/>
+          </a:fontRef>
+        </p:style>
+        <p:txBody>
+          <a:bodyPr rtlCol="0" anchor="ctr"/>
+          <a:lstStyle/>
+          <a:p>
+            <a:pPr algn="ctr"/>
+            <a:r>
+              <a:rPr lang="en-AU" dirty="0">
+                <a:solidFill>
+                  <a:schemeClr val="tx1"/>
+                </a:solidFill>
+              </a:rPr>
+              <a:t>Arduino</a:t>
+            </a:r>
+          </a:p>
+          <a:p>
+            <a:pPr algn="ctr"/>
+            <a:r>
+              <a:rPr lang="en-AU" dirty="0">
+                <a:solidFill>
+                  <a:schemeClr val="tx1"/>
+                </a:solidFill>
+              </a:rPr>
+              <a:t>MCU</a:t>
+            </a:r>
+          </a:p>
+        </p:txBody>
+      </p:sp>
+      <p:cxnSp>
+        <p:nvCxnSpPr>
+          <p:cNvPr id="40" name="Straight Arrow Connector 39">
+            <a:extLst>
+              <a:ext uri="{FF2B5EF4-FFF2-40B4-BE49-F238E27FC236}">
+                <a16:creationId xmlns:a16="http://schemas.microsoft.com/office/drawing/2014/main" id="{AEE61DEA-AAE3-4A78-B862-B42EC626CA97}"/>
+              </a:ext>
+            </a:extLst>
+          </p:cNvPr>
+          <p:cNvCxnSpPr>
+            <a:stCxn id="37" idx="2"/>
+          </p:cNvCxnSpPr>
+          <p:nvPr/>
+        </p:nvCxnSpPr>
+        <p:spPr>
+          <a:xfrm>
+            <a:off x="1469898" y="3644900"/>
+            <a:ext cx="0" cy="260350"/>
+          </a:xfrm>
+          <a:prstGeom prst="straightConnector1">
+            <a:avLst/>
+          </a:prstGeom>
+          <a:ln w="28575">
+            <a:solidFill>
+              <a:schemeClr val="tx1"/>
+            </a:solidFill>
+            <a:headEnd type="none" w="med" len="med"/>
+            <a:tailEnd type="triangle" w="med" len="med"/>
+          </a:ln>
+        </p:spPr>
+        <p:style>
+          <a:lnRef idx="1">
+            <a:schemeClr val="accent1"/>
+          </a:lnRef>
+          <a:fillRef idx="0">
+            <a:schemeClr val="accent1"/>
+          </a:fillRef>
+          <a:effectRef idx="0">
+            <a:schemeClr val="accent1"/>
+          </a:effectRef>
+          <a:fontRef idx="minor">
+            <a:schemeClr val="tx1"/>
+          </a:fontRef>
+        </p:style>
+      </p:cxnSp>
+      <p:cxnSp>
+        <p:nvCxnSpPr>
+          <p:cNvPr id="41" name="Straight Arrow Connector 40">
+            <a:extLst>
+              <a:ext uri="{FF2B5EF4-FFF2-40B4-BE49-F238E27FC236}">
+                <a16:creationId xmlns:a16="http://schemas.microsoft.com/office/drawing/2014/main" id="{24195D14-2808-4962-BC1F-68B7A025821B}"/>
+              </a:ext>
+            </a:extLst>
+          </p:cNvPr>
+          <p:cNvCxnSpPr>
+            <a:cxnSpLocks/>
+            <a:stCxn id="36" idx="2"/>
+          </p:cNvCxnSpPr>
+          <p:nvPr/>
+        </p:nvCxnSpPr>
+        <p:spPr>
+          <a:xfrm>
+            <a:off x="2574798" y="3644900"/>
+            <a:ext cx="0" cy="260350"/>
+          </a:xfrm>
+          <a:prstGeom prst="straightConnector1">
+            <a:avLst/>
+          </a:prstGeom>
+          <a:ln w="28575">
+            <a:solidFill>
+              <a:schemeClr val="tx1"/>
+            </a:solidFill>
+            <a:headEnd type="none" w="med" len="med"/>
+            <a:tailEnd type="triangle" w="med" len="med"/>
+          </a:ln>
+        </p:spPr>
+        <p:style>
+          <a:lnRef idx="1">
+            <a:schemeClr val="accent1"/>
+          </a:lnRef>
+          <a:fillRef idx="0">
+            <a:schemeClr val="accent1"/>
+          </a:fillRef>
+          <a:effectRef idx="0">
+            <a:schemeClr val="accent1"/>
+          </a:effectRef>
+          <a:fontRef idx="minor">
+            <a:schemeClr val="tx1"/>
+          </a:fontRef>
+        </p:style>
+      </p:cxnSp>
+      <p:sp>
+        <p:nvSpPr>
+          <p:cNvPr id="47" name="Rectangle 46">
+            <a:extLst>
+              <a:ext uri="{FF2B5EF4-FFF2-40B4-BE49-F238E27FC236}">
+                <a16:creationId xmlns:a16="http://schemas.microsoft.com/office/drawing/2014/main" id="{47D97A0C-47C3-4A7C-B846-A2EA8E5B9216}"/>
+              </a:ext>
+            </a:extLst>
+          </p:cNvPr>
+          <p:cNvSpPr/>
+          <p:nvPr/>
+        </p:nvSpPr>
+        <p:spPr>
+          <a:xfrm>
+            <a:off x="803148" y="2752725"/>
+            <a:ext cx="2428875" cy="1010099"/>
+          </a:xfrm>
+          <a:prstGeom prst="rect">
+            <a:avLst/>
+          </a:prstGeom>
+          <a:noFill/>
+          <a:ln>
+            <a:solidFill>
+              <a:schemeClr val="tx1"/>
+            </a:solidFill>
+            <a:prstDash val="dash"/>
+          </a:ln>
+        </p:spPr>
+        <p:style>
+          <a:lnRef idx="2">
+            <a:schemeClr val="accent1">
+              <a:shade val="50000"/>
+            </a:schemeClr>
+          </a:lnRef>
+          <a:fillRef idx="1">
+            <a:schemeClr val="accent1"/>
+          </a:fillRef>
+          <a:effectRef idx="0">
+            <a:schemeClr val="accent1"/>
+          </a:effectRef>
+          <a:fontRef idx="minor">
+            <a:schemeClr val="lt1"/>
+          </a:fontRef>
+        </p:style>
+        <p:txBody>
+          <a:bodyPr rtlCol="0" anchor="ctr"/>
+          <a:lstStyle/>
+          <a:p>
+            <a:pPr algn="ctr"/>
+            <a:endParaRPr lang="en-AU">
+              <a:noFill/>
+            </a:endParaRPr>
+          </a:p>
+        </p:txBody>
+      </p:sp>
+      <p:sp>
+        <p:nvSpPr>
+          <p:cNvPr id="48" name="TextBox 47">
+            <a:extLst>
+              <a:ext uri="{FF2B5EF4-FFF2-40B4-BE49-F238E27FC236}">
+                <a16:creationId xmlns:a16="http://schemas.microsoft.com/office/drawing/2014/main" id="{EC8D5A42-DB03-421F-B8D5-44469FE5AD62}"/>
+              </a:ext>
+            </a:extLst>
+          </p:cNvPr>
+          <p:cNvSpPr txBox="1"/>
+          <p:nvPr/>
+        </p:nvSpPr>
+        <p:spPr>
+          <a:xfrm>
+            <a:off x="1381965" y="2781300"/>
+            <a:ext cx="1154740" cy="307777"/>
+          </a:xfrm>
+          <a:prstGeom prst="rect">
+            <a:avLst/>
+          </a:prstGeom>
+          <a:noFill/>
+        </p:spPr>
+        <p:txBody>
+          <a:bodyPr wrap="none" rtlCol="0">
+            <a:spAutoFit/>
+          </a:bodyPr>
+          <a:lstStyle/>
+          <a:p>
+            <a:r>
+              <a:rPr lang="en-AU" sz="1400" dirty="0"/>
+              <a:t>Control Input</a:t>
+            </a:r>
+          </a:p>
+        </p:txBody>
+      </p:sp>
+      <p:sp>
+        <p:nvSpPr>
+          <p:cNvPr id="53" name="TextBox 52">
+            <a:extLst>
+              <a:ext uri="{FF2B5EF4-FFF2-40B4-BE49-F238E27FC236}">
+                <a16:creationId xmlns:a16="http://schemas.microsoft.com/office/drawing/2014/main" id="{6504E431-E33D-47AC-860A-240E429CFD65}"/>
+              </a:ext>
+            </a:extLst>
+          </p:cNvPr>
+          <p:cNvSpPr txBox="1"/>
+          <p:nvPr/>
+        </p:nvSpPr>
+        <p:spPr>
+          <a:xfrm>
+            <a:off x="1698225" y="5287103"/>
+            <a:ext cx="708848" cy="307777"/>
+          </a:xfrm>
+          <a:prstGeom prst="rect">
+            <a:avLst/>
+          </a:prstGeom>
+          <a:noFill/>
+        </p:spPr>
+        <p:txBody>
+          <a:bodyPr wrap="none" rtlCol="0">
+            <a:spAutoFit/>
+          </a:bodyPr>
+          <a:lstStyle/>
+          <a:p>
+            <a:r>
+              <a:rPr lang="en-AU" sz="1400" dirty="0"/>
+              <a:t>Output</a:t>
+            </a:r>
+          </a:p>
+        </p:txBody>
+      </p:sp>
+      <p:sp>
+        <p:nvSpPr>
+          <p:cNvPr id="54" name="Rectangle 53">
+            <a:extLst>
+              <a:ext uri="{FF2B5EF4-FFF2-40B4-BE49-F238E27FC236}">
+                <a16:creationId xmlns:a16="http://schemas.microsoft.com/office/drawing/2014/main" id="{F1234321-EA17-4C42-A8C1-F3BA2C875D21}"/>
+              </a:ext>
+            </a:extLst>
+          </p:cNvPr>
+          <p:cNvSpPr/>
+          <p:nvPr/>
+        </p:nvSpPr>
+        <p:spPr>
+          <a:xfrm>
+            <a:off x="1343835" y="4612320"/>
+            <a:ext cx="1316689" cy="1010099"/>
+          </a:xfrm>
+          <a:prstGeom prst="rect">
+            <a:avLst/>
+          </a:prstGeom>
+          <a:noFill/>
+          <a:ln>
+            <a:solidFill>
+              <a:schemeClr val="tx1"/>
+            </a:solidFill>
+            <a:prstDash val="dash"/>
+          </a:ln>
+        </p:spPr>
+        <p:style>
+          <a:lnRef idx="2">
+            <a:schemeClr val="accent1">
+              <a:shade val="50000"/>
+            </a:schemeClr>
+          </a:lnRef>
+          <a:fillRef idx="1">
+            <a:schemeClr val="accent1"/>
+          </a:fillRef>
+          <a:effectRef idx="0">
+            <a:schemeClr val="accent1"/>
+          </a:effectRef>
+          <a:fontRef idx="minor">
+            <a:schemeClr val="lt1"/>
+          </a:fontRef>
+        </p:style>
+        <p:txBody>
+          <a:bodyPr rtlCol="0" anchor="ctr"/>
+          <a:lstStyle/>
+          <a:p>
+            <a:pPr algn="ctr"/>
+            <a:endParaRPr lang="en-AU">
+              <a:noFill/>
+            </a:endParaRPr>
+          </a:p>
+        </p:txBody>
+      </p:sp>
+      <p:sp>
+        <p:nvSpPr>
+          <p:cNvPr id="55" name="Rectangle 54">
+            <a:extLst>
+              <a:ext uri="{FF2B5EF4-FFF2-40B4-BE49-F238E27FC236}">
+                <a16:creationId xmlns:a16="http://schemas.microsoft.com/office/drawing/2014/main" id="{EF93AB37-D56D-47F5-9665-C727EB21B7D5}"/>
+              </a:ext>
+            </a:extLst>
+          </p:cNvPr>
+          <p:cNvSpPr/>
+          <p:nvPr/>
+        </p:nvSpPr>
+        <p:spPr>
+          <a:xfrm>
+            <a:off x="1512760" y="4747733"/>
+            <a:ext cx="1028700" cy="511831"/>
+          </a:xfrm>
+          <a:prstGeom prst="rect">
+            <a:avLst/>
+          </a:prstGeom>
+          <a:solidFill>
+            <a:srgbClr val="7030A0"/>
+          </a:solidFill>
+          <a:ln>
+            <a:solidFill>
+              <a:schemeClr val="tx1"/>
+            </a:solidFill>
+          </a:ln>
+        </p:spPr>
+        <p:style>
+          <a:lnRef idx="2">
+            <a:schemeClr val="accent1">
+              <a:shade val="50000"/>
+            </a:schemeClr>
+          </a:lnRef>
+          <a:fillRef idx="1">
+            <a:schemeClr val="accent1"/>
+          </a:fillRef>
+          <a:effectRef idx="0">
+            <a:schemeClr val="accent1"/>
+          </a:effectRef>
+          <a:fontRef idx="minor">
+            <a:schemeClr val="lt1"/>
+          </a:fontRef>
+        </p:style>
+        <p:txBody>
+          <a:bodyPr rtlCol="0" anchor="ctr"/>
+          <a:lstStyle/>
+          <a:p>
+            <a:pPr algn="ctr"/>
+            <a:r>
+              <a:rPr lang="en-AU" dirty="0">
+                <a:solidFill>
+                  <a:schemeClr val="bg1"/>
+                </a:solidFill>
+              </a:rPr>
+              <a:t>YX5300 Module</a:t>
+            </a:r>
+          </a:p>
+        </p:txBody>
+      </p:sp>
+      <p:cxnSp>
+        <p:nvCxnSpPr>
+          <p:cNvPr id="56" name="Straight Arrow Connector 55">
+            <a:extLst>
+              <a:ext uri="{FF2B5EF4-FFF2-40B4-BE49-F238E27FC236}">
+                <a16:creationId xmlns:a16="http://schemas.microsoft.com/office/drawing/2014/main" id="{35F1D21D-488F-48E0-9934-F2ABD5861636}"/>
+              </a:ext>
+            </a:extLst>
+          </p:cNvPr>
+          <p:cNvCxnSpPr>
+            <a:cxnSpLocks/>
+            <a:stCxn id="55" idx="0"/>
+            <a:endCxn id="39" idx="2"/>
+          </p:cNvCxnSpPr>
+          <p:nvPr/>
+        </p:nvCxnSpPr>
+        <p:spPr>
+          <a:xfrm flipH="1" flipV="1">
+            <a:off x="2022348" y="4437607"/>
+            <a:ext cx="4762" cy="310126"/>
+          </a:xfrm>
+          <a:prstGeom prst="straightConnector1">
+            <a:avLst/>
+          </a:prstGeom>
+          <a:ln w="28575">
+            <a:solidFill>
+              <a:schemeClr val="tx1"/>
+            </a:solidFill>
+            <a:headEnd type="triangle" w="med" len="med"/>
+            <a:tailEnd type="triangle" w="med" len="med"/>
+          </a:ln>
+        </p:spPr>
+        <p:style>
+          <a:lnRef idx="1">
+            <a:schemeClr val="accent1"/>
+          </a:lnRef>
+          <a:fillRef idx="0">
+            <a:schemeClr val="accent1"/>
+          </a:fillRef>
+          <a:effectRef idx="0">
+            <a:schemeClr val="accent1"/>
+          </a:effectRef>
+          <a:fontRef idx="minor">
+            <a:schemeClr val="tx1"/>
+          </a:fontRef>
+        </p:style>
+      </p:cxnSp>
+      <p:grpSp>
+        <p:nvGrpSpPr>
+          <p:cNvPr id="64" name="Group 63">
+            <a:extLst>
+              <a:ext uri="{FF2B5EF4-FFF2-40B4-BE49-F238E27FC236}">
+                <a16:creationId xmlns:a16="http://schemas.microsoft.com/office/drawing/2014/main" id="{BF9C34C8-46D3-483D-BCA8-D91F25542A25}"/>
+              </a:ext>
+            </a:extLst>
+          </p:cNvPr>
+          <p:cNvGrpSpPr/>
+          <p:nvPr/>
+        </p:nvGrpSpPr>
+        <p:grpSpPr>
+          <a:xfrm>
+            <a:off x="4021768" y="3125610"/>
+            <a:ext cx="2133600" cy="533400"/>
+            <a:chOff x="2857500" y="1892300"/>
+            <a:chExt cx="2133600" cy="533400"/>
+          </a:xfrm>
+        </p:grpSpPr>
+        <p:sp>
+          <p:nvSpPr>
+            <p:cNvPr id="65" name="Rectangle 64">
+              <a:extLst>
+                <a:ext uri="{FF2B5EF4-FFF2-40B4-BE49-F238E27FC236}">
+                  <a16:creationId xmlns:a16="http://schemas.microsoft.com/office/drawing/2014/main" id="{8DD8F3B5-C5DE-46C3-9EC7-A877B84B98A5}"/>
+                </a:ext>
+              </a:extLst>
+            </p:cNvPr>
+            <p:cNvSpPr/>
+            <p:nvPr/>
+          </p:nvSpPr>
+          <p:spPr>
+            <a:xfrm>
+              <a:off x="3962400" y="1892300"/>
+              <a:ext cx="1028700" cy="533400"/>
+            </a:xfrm>
+            <a:prstGeom prst="rect">
+              <a:avLst/>
+            </a:prstGeom>
+            <a:ln>
+              <a:solidFill>
+                <a:schemeClr val="tx1"/>
+              </a:solidFill>
+            </a:ln>
+          </p:spPr>
+          <p:style>
+            <a:lnRef idx="2">
+              <a:schemeClr val="accent1">
+                <a:shade val="50000"/>
+              </a:schemeClr>
+            </a:lnRef>
+            <a:fillRef idx="1">
+              <a:schemeClr val="accent1"/>
+            </a:fillRef>
+            <a:effectRef idx="0">
+              <a:schemeClr val="accent1"/>
+            </a:effectRef>
+            <a:fontRef idx="minor">
+              <a:schemeClr val="lt1"/>
+            </a:fontRef>
+          </p:style>
+          <p:txBody>
+            <a:bodyPr rtlCol="0" anchor="ctr"/>
+            <a:lstStyle/>
+            <a:p>
+              <a:pPr algn="ctr"/>
+              <a:r>
+                <a:rPr lang="en-AU" dirty="0"/>
+                <a:t>Rotary Encoder</a:t>
+              </a:r>
+            </a:p>
+          </p:txBody>
+        </p:sp>
+        <p:sp>
+          <p:nvSpPr>
+            <p:cNvPr id="66" name="Rectangle 65">
+              <a:extLst>
+                <a:ext uri="{FF2B5EF4-FFF2-40B4-BE49-F238E27FC236}">
+                  <a16:creationId xmlns:a16="http://schemas.microsoft.com/office/drawing/2014/main" id="{2B19B1ED-441B-4E19-A67C-0E51E8D36C77}"/>
+                </a:ext>
+              </a:extLst>
+            </p:cNvPr>
+            <p:cNvSpPr/>
+            <p:nvPr/>
+          </p:nvSpPr>
+          <p:spPr>
+            <a:xfrm>
+              <a:off x="2857500" y="1892300"/>
+              <a:ext cx="1028700" cy="533400"/>
+            </a:xfrm>
+            <a:prstGeom prst="rect">
+              <a:avLst/>
+            </a:prstGeom>
+            <a:ln>
+              <a:solidFill>
+                <a:schemeClr val="tx1"/>
+              </a:solidFill>
+            </a:ln>
+          </p:spPr>
+          <p:style>
+            <a:lnRef idx="2">
+              <a:schemeClr val="accent1">
+                <a:shade val="50000"/>
+              </a:schemeClr>
+            </a:lnRef>
+            <a:fillRef idx="1">
+              <a:schemeClr val="accent1"/>
+            </a:fillRef>
+            <a:effectRef idx="0">
+              <a:schemeClr val="accent1"/>
+            </a:effectRef>
+            <a:fontRef idx="minor">
+              <a:schemeClr val="lt1"/>
+            </a:fontRef>
+          </p:style>
+          <p:txBody>
+            <a:bodyPr rtlCol="0" anchor="ctr"/>
+            <a:lstStyle/>
+            <a:p>
+              <a:pPr algn="ctr"/>
+              <a:r>
+                <a:rPr lang="en-AU" dirty="0"/>
+                <a:t>Input Switch</a:t>
+              </a:r>
+            </a:p>
+          </p:txBody>
+        </p:sp>
+      </p:grpSp>
+      <p:sp>
+        <p:nvSpPr>
+          <p:cNvPr id="67" name="Rectangle 66">
+            <a:extLst>
+              <a:ext uri="{FF2B5EF4-FFF2-40B4-BE49-F238E27FC236}">
+                <a16:creationId xmlns:a16="http://schemas.microsoft.com/office/drawing/2014/main" id="{51D61561-8C25-4470-9C31-33392FA560C5}"/>
+              </a:ext>
+            </a:extLst>
+          </p:cNvPr>
+          <p:cNvSpPr/>
+          <p:nvPr/>
+        </p:nvSpPr>
+        <p:spPr>
+          <a:xfrm>
+            <a:off x="4031293" y="4724854"/>
+            <a:ext cx="1028700" cy="533400"/>
+          </a:xfrm>
+          <a:prstGeom prst="rect">
+            <a:avLst/>
+          </a:prstGeom>
+          <a:solidFill>
+            <a:srgbClr val="7030A0"/>
+          </a:solidFill>
+          <a:ln>
+            <a:solidFill>
+              <a:schemeClr val="tx1"/>
+            </a:solidFill>
+          </a:ln>
+        </p:spPr>
+        <p:style>
+          <a:lnRef idx="2">
+            <a:schemeClr val="accent1">
+              <a:shade val="50000"/>
+            </a:schemeClr>
+          </a:lnRef>
+          <a:fillRef idx="1">
+            <a:schemeClr val="accent1"/>
+          </a:fillRef>
+          <a:effectRef idx="0">
+            <a:schemeClr val="accent1"/>
+          </a:effectRef>
+          <a:fontRef idx="minor">
+            <a:schemeClr val="lt1"/>
+          </a:fontRef>
+        </p:style>
+        <p:txBody>
+          <a:bodyPr rtlCol="0" anchor="ctr"/>
+          <a:lstStyle/>
+          <a:p>
+            <a:pPr algn="ctr"/>
+            <a:r>
+              <a:rPr lang="en-AU" dirty="0">
+                <a:solidFill>
+                  <a:schemeClr val="bg1"/>
+                </a:solidFill>
+              </a:rPr>
+              <a:t>LCD</a:t>
+            </a:r>
+          </a:p>
+          <a:p>
+            <a:pPr algn="ctr"/>
+            <a:r>
+              <a:rPr lang="en-AU" dirty="0">
+                <a:solidFill>
+                  <a:schemeClr val="bg1"/>
+                </a:solidFill>
+              </a:rPr>
+              <a:t>Module</a:t>
+            </a:r>
+          </a:p>
+        </p:txBody>
+      </p:sp>
+      <p:sp>
+        <p:nvSpPr>
+          <p:cNvPr id="68" name="Rectangle 67">
+            <a:extLst>
+              <a:ext uri="{FF2B5EF4-FFF2-40B4-BE49-F238E27FC236}">
+                <a16:creationId xmlns:a16="http://schemas.microsoft.com/office/drawing/2014/main" id="{5F5D333B-5F5E-4BD6-B384-694107A98201}"/>
+              </a:ext>
+            </a:extLst>
+          </p:cNvPr>
+          <p:cNvSpPr/>
+          <p:nvPr/>
+        </p:nvSpPr>
+        <p:spPr>
+          <a:xfrm>
+            <a:off x="4304343" y="3919360"/>
+            <a:ext cx="1568450" cy="532357"/>
+          </a:xfrm>
+          <a:prstGeom prst="rect">
+            <a:avLst/>
+          </a:prstGeom>
+          <a:solidFill>
+            <a:schemeClr val="accent2">
+              <a:lumMod val="60000"/>
+              <a:lumOff val="40000"/>
+            </a:schemeClr>
+          </a:solidFill>
+          <a:ln>
+            <a:solidFill>
+              <a:schemeClr val="tx1"/>
+            </a:solidFill>
+          </a:ln>
+        </p:spPr>
+        <p:style>
+          <a:lnRef idx="2">
+            <a:schemeClr val="accent1">
+              <a:shade val="50000"/>
+            </a:schemeClr>
+          </a:lnRef>
+          <a:fillRef idx="1">
+            <a:schemeClr val="accent1"/>
+          </a:fillRef>
+          <a:effectRef idx="0">
+            <a:schemeClr val="accent1"/>
+          </a:effectRef>
+          <a:fontRef idx="minor">
+            <a:schemeClr val="lt1"/>
+          </a:fontRef>
+        </p:style>
+        <p:txBody>
+          <a:bodyPr rtlCol="0" anchor="ctr"/>
+          <a:lstStyle/>
+          <a:p>
+            <a:pPr algn="ctr"/>
+            <a:r>
+              <a:rPr lang="en-AU" dirty="0">
+                <a:solidFill>
+                  <a:schemeClr val="tx1"/>
+                </a:solidFill>
+              </a:rPr>
+              <a:t>Arduino</a:t>
+            </a:r>
+          </a:p>
+          <a:p>
+            <a:pPr algn="ctr"/>
+            <a:r>
+              <a:rPr lang="en-AU" dirty="0">
+                <a:solidFill>
+                  <a:schemeClr val="tx1"/>
+                </a:solidFill>
+              </a:rPr>
+              <a:t>MCU</a:t>
+            </a:r>
+          </a:p>
+        </p:txBody>
+      </p:sp>
+      <p:cxnSp>
+        <p:nvCxnSpPr>
+          <p:cNvPr id="69" name="Straight Arrow Connector 68">
+            <a:extLst>
+              <a:ext uri="{FF2B5EF4-FFF2-40B4-BE49-F238E27FC236}">
+                <a16:creationId xmlns:a16="http://schemas.microsoft.com/office/drawing/2014/main" id="{C5275A69-8FCB-448A-A4CE-80B3F7E00192}"/>
+              </a:ext>
+            </a:extLst>
+          </p:cNvPr>
+          <p:cNvCxnSpPr>
+            <a:stCxn id="66" idx="2"/>
+          </p:cNvCxnSpPr>
+          <p:nvPr/>
+        </p:nvCxnSpPr>
+        <p:spPr>
+          <a:xfrm>
+            <a:off x="4536118" y="3659010"/>
+            <a:ext cx="0" cy="260350"/>
+          </a:xfrm>
+          <a:prstGeom prst="straightConnector1">
+            <a:avLst/>
+          </a:prstGeom>
+          <a:ln w="28575">
+            <a:solidFill>
+              <a:schemeClr val="tx1"/>
+            </a:solidFill>
+            <a:headEnd type="none" w="med" len="med"/>
+            <a:tailEnd type="triangle" w="med" len="med"/>
+          </a:ln>
+        </p:spPr>
+        <p:style>
+          <a:lnRef idx="1">
+            <a:schemeClr val="accent1"/>
+          </a:lnRef>
+          <a:fillRef idx="0">
+            <a:schemeClr val="accent1"/>
+          </a:fillRef>
+          <a:effectRef idx="0">
+            <a:schemeClr val="accent1"/>
+          </a:effectRef>
+          <a:fontRef idx="minor">
+            <a:schemeClr val="tx1"/>
+          </a:fontRef>
+        </p:style>
+      </p:cxnSp>
+      <p:cxnSp>
+        <p:nvCxnSpPr>
+          <p:cNvPr id="70" name="Straight Arrow Connector 69">
+            <a:extLst>
+              <a:ext uri="{FF2B5EF4-FFF2-40B4-BE49-F238E27FC236}">
+                <a16:creationId xmlns:a16="http://schemas.microsoft.com/office/drawing/2014/main" id="{7BCBBB17-B6FC-4CBC-B220-D1C0514BB72B}"/>
+              </a:ext>
+            </a:extLst>
+          </p:cNvPr>
+          <p:cNvCxnSpPr>
+            <a:cxnSpLocks/>
+            <a:stCxn id="65" idx="2"/>
+          </p:cNvCxnSpPr>
+          <p:nvPr/>
+        </p:nvCxnSpPr>
+        <p:spPr>
+          <a:xfrm>
+            <a:off x="5641018" y="3659010"/>
+            <a:ext cx="0" cy="260350"/>
+          </a:xfrm>
+          <a:prstGeom prst="straightConnector1">
+            <a:avLst/>
+          </a:prstGeom>
+          <a:ln w="28575">
+            <a:solidFill>
+              <a:schemeClr val="tx1"/>
+            </a:solidFill>
+            <a:headEnd type="none" w="med" len="med"/>
+            <a:tailEnd type="triangle" w="med" len="med"/>
+          </a:ln>
+        </p:spPr>
+        <p:style>
+          <a:lnRef idx="1">
+            <a:schemeClr val="accent1"/>
+          </a:lnRef>
+          <a:fillRef idx="0">
+            <a:schemeClr val="accent1"/>
+          </a:fillRef>
+          <a:effectRef idx="0">
+            <a:schemeClr val="accent1"/>
+          </a:effectRef>
+          <a:fontRef idx="minor">
+            <a:schemeClr val="tx1"/>
+          </a:fontRef>
+        </p:style>
+      </p:cxnSp>
+      <p:cxnSp>
+        <p:nvCxnSpPr>
+          <p:cNvPr id="73" name="Straight Arrow Connector 72">
+            <a:extLst>
+              <a:ext uri="{FF2B5EF4-FFF2-40B4-BE49-F238E27FC236}">
+                <a16:creationId xmlns:a16="http://schemas.microsoft.com/office/drawing/2014/main" id="{DFB42237-8671-4353-9BA8-436AEF3C4C5C}"/>
+              </a:ext>
+            </a:extLst>
+          </p:cNvPr>
+          <p:cNvCxnSpPr>
+            <a:cxnSpLocks/>
+            <a:stCxn id="67" idx="0"/>
+          </p:cNvCxnSpPr>
+          <p:nvPr/>
+        </p:nvCxnSpPr>
+        <p:spPr>
+          <a:xfrm flipH="1" flipV="1">
+            <a:off x="4544989" y="4448631"/>
+            <a:ext cx="654" cy="276223"/>
+          </a:xfrm>
+          <a:prstGeom prst="straightConnector1">
+            <a:avLst/>
+          </a:prstGeom>
+          <a:ln w="28575">
+            <a:solidFill>
+              <a:schemeClr val="tx1"/>
+            </a:solidFill>
+            <a:headEnd type="triangle" w="med" len="med"/>
+            <a:tailEnd type="none" w="med" len="med"/>
+          </a:ln>
+        </p:spPr>
+        <p:style>
+          <a:lnRef idx="1">
+            <a:schemeClr val="accent1"/>
+          </a:lnRef>
+          <a:fillRef idx="0">
+            <a:schemeClr val="accent1"/>
+          </a:fillRef>
+          <a:effectRef idx="0">
+            <a:schemeClr val="accent1"/>
+          </a:effectRef>
+          <a:fontRef idx="minor">
+            <a:schemeClr val="tx1"/>
+          </a:fontRef>
+        </p:style>
+      </p:cxnSp>
+      <p:sp>
+        <p:nvSpPr>
+          <p:cNvPr id="76" name="Rectangle 75">
+            <a:extLst>
+              <a:ext uri="{FF2B5EF4-FFF2-40B4-BE49-F238E27FC236}">
+                <a16:creationId xmlns:a16="http://schemas.microsoft.com/office/drawing/2014/main" id="{EAAE0F89-C34E-43CA-BED9-311461CF39D4}"/>
+              </a:ext>
+            </a:extLst>
+          </p:cNvPr>
+          <p:cNvSpPr/>
+          <p:nvPr/>
+        </p:nvSpPr>
+        <p:spPr>
+          <a:xfrm>
+            <a:off x="3869368" y="2766835"/>
+            <a:ext cx="2428875" cy="1010099"/>
+          </a:xfrm>
+          <a:prstGeom prst="rect">
+            <a:avLst/>
+          </a:prstGeom>
+          <a:noFill/>
+          <a:ln>
+            <a:solidFill>
+              <a:schemeClr val="tx1"/>
+            </a:solidFill>
+            <a:prstDash val="dash"/>
+          </a:ln>
+        </p:spPr>
+        <p:style>
+          <a:lnRef idx="2">
+            <a:schemeClr val="accent1">
+              <a:shade val="50000"/>
+            </a:schemeClr>
+          </a:lnRef>
+          <a:fillRef idx="1">
+            <a:schemeClr val="accent1"/>
+          </a:fillRef>
+          <a:effectRef idx="0">
+            <a:schemeClr val="accent1"/>
+          </a:effectRef>
+          <a:fontRef idx="minor">
+            <a:schemeClr val="lt1"/>
+          </a:fontRef>
+        </p:style>
+        <p:txBody>
+          <a:bodyPr rtlCol="0" anchor="ctr"/>
+          <a:lstStyle/>
+          <a:p>
+            <a:pPr algn="ctr"/>
+            <a:endParaRPr lang="en-AU">
+              <a:noFill/>
+            </a:endParaRPr>
+          </a:p>
+        </p:txBody>
+      </p:sp>
+      <p:sp>
+        <p:nvSpPr>
+          <p:cNvPr id="77" name="TextBox 76">
+            <a:extLst>
+              <a:ext uri="{FF2B5EF4-FFF2-40B4-BE49-F238E27FC236}">
+                <a16:creationId xmlns:a16="http://schemas.microsoft.com/office/drawing/2014/main" id="{ED82BFE8-3832-4B80-B2C8-B839BDDCCED5}"/>
+              </a:ext>
+            </a:extLst>
+          </p:cNvPr>
+          <p:cNvSpPr txBox="1"/>
+          <p:nvPr/>
+        </p:nvSpPr>
+        <p:spPr>
+          <a:xfrm>
+            <a:off x="4448185" y="2795410"/>
+            <a:ext cx="1154740" cy="307777"/>
+          </a:xfrm>
+          <a:prstGeom prst="rect">
+            <a:avLst/>
+          </a:prstGeom>
+          <a:noFill/>
+        </p:spPr>
+        <p:txBody>
+          <a:bodyPr wrap="none" rtlCol="0">
+            <a:spAutoFit/>
+          </a:bodyPr>
+          <a:lstStyle/>
+          <a:p>
+            <a:r>
+              <a:rPr lang="en-AU" sz="1400" dirty="0"/>
+              <a:t>Control Input</a:t>
+            </a:r>
+          </a:p>
+        </p:txBody>
+      </p:sp>
+      <p:sp>
+        <p:nvSpPr>
+          <p:cNvPr id="82" name="TextBox 81">
+            <a:extLst>
+              <a:ext uri="{FF2B5EF4-FFF2-40B4-BE49-F238E27FC236}">
+                <a16:creationId xmlns:a16="http://schemas.microsoft.com/office/drawing/2014/main" id="{125D5C2C-A417-41D7-8C1E-94A5C124E1B3}"/>
+              </a:ext>
+            </a:extLst>
+          </p:cNvPr>
+          <p:cNvSpPr txBox="1"/>
+          <p:nvPr/>
+        </p:nvSpPr>
+        <p:spPr>
+          <a:xfrm>
+            <a:off x="4772244" y="5290258"/>
+            <a:ext cx="708848" cy="307777"/>
+          </a:xfrm>
+          <a:prstGeom prst="rect">
+            <a:avLst/>
+          </a:prstGeom>
+          <a:noFill/>
+        </p:spPr>
+        <p:txBody>
+          <a:bodyPr wrap="none" rtlCol="0">
+            <a:spAutoFit/>
+          </a:bodyPr>
+          <a:lstStyle/>
+          <a:p>
+            <a:r>
+              <a:rPr lang="en-AU" sz="1400" dirty="0"/>
+              <a:t>Output</a:t>
+            </a:r>
+          </a:p>
+        </p:txBody>
+      </p:sp>
+      <p:sp>
+        <p:nvSpPr>
+          <p:cNvPr id="83" name="Rectangle 82">
+            <a:extLst>
+              <a:ext uri="{FF2B5EF4-FFF2-40B4-BE49-F238E27FC236}">
+                <a16:creationId xmlns:a16="http://schemas.microsoft.com/office/drawing/2014/main" id="{E48561B1-4088-48B9-8270-1862B106AFB0}"/>
+              </a:ext>
+            </a:extLst>
+          </p:cNvPr>
+          <p:cNvSpPr/>
+          <p:nvPr/>
+        </p:nvSpPr>
+        <p:spPr>
+          <a:xfrm>
+            <a:off x="3878893" y="4626430"/>
+            <a:ext cx="2428875" cy="1010099"/>
+          </a:xfrm>
+          <a:prstGeom prst="rect">
+            <a:avLst/>
+          </a:prstGeom>
+          <a:noFill/>
+          <a:ln>
+            <a:solidFill>
+              <a:schemeClr val="tx1"/>
+            </a:solidFill>
+            <a:prstDash val="dash"/>
+          </a:ln>
+        </p:spPr>
+        <p:style>
+          <a:lnRef idx="2">
+            <a:schemeClr val="accent1">
+              <a:shade val="50000"/>
+            </a:schemeClr>
+          </a:lnRef>
+          <a:fillRef idx="1">
+            <a:schemeClr val="accent1"/>
+          </a:fillRef>
+          <a:effectRef idx="0">
+            <a:schemeClr val="accent1"/>
+          </a:effectRef>
+          <a:fontRef idx="minor">
+            <a:schemeClr val="lt1"/>
+          </a:fontRef>
+        </p:style>
+        <p:txBody>
+          <a:bodyPr rtlCol="0" anchor="ctr"/>
+          <a:lstStyle/>
+          <a:p>
+            <a:pPr algn="ctr"/>
+            <a:endParaRPr lang="en-AU">
+              <a:noFill/>
+            </a:endParaRPr>
+          </a:p>
+        </p:txBody>
+      </p:sp>
+      <p:sp>
+        <p:nvSpPr>
+          <p:cNvPr id="84" name="Rectangle 83">
+            <a:extLst>
+              <a:ext uri="{FF2B5EF4-FFF2-40B4-BE49-F238E27FC236}">
+                <a16:creationId xmlns:a16="http://schemas.microsoft.com/office/drawing/2014/main" id="{6AC02DEA-0AA0-4931-99F9-0325FD5477BA}"/>
+              </a:ext>
+            </a:extLst>
+          </p:cNvPr>
+          <p:cNvSpPr/>
+          <p:nvPr/>
+        </p:nvSpPr>
+        <p:spPr>
+          <a:xfrm>
+            <a:off x="5129360" y="4724854"/>
+            <a:ext cx="1028700" cy="533400"/>
+          </a:xfrm>
+          <a:prstGeom prst="rect">
+            <a:avLst/>
+          </a:prstGeom>
+          <a:solidFill>
+            <a:srgbClr val="7030A0"/>
+          </a:solidFill>
+          <a:ln>
+            <a:solidFill>
+              <a:schemeClr val="tx1"/>
+            </a:solidFill>
+          </a:ln>
+        </p:spPr>
+        <p:style>
+          <a:lnRef idx="2">
+            <a:schemeClr val="accent1">
+              <a:shade val="50000"/>
+            </a:schemeClr>
+          </a:lnRef>
+          <a:fillRef idx="1">
+            <a:schemeClr val="accent1"/>
+          </a:fillRef>
+          <a:effectRef idx="0">
+            <a:schemeClr val="accent1"/>
+          </a:effectRef>
+          <a:fontRef idx="minor">
+            <a:schemeClr val="lt1"/>
+          </a:fontRef>
+        </p:style>
+        <p:txBody>
+          <a:bodyPr rtlCol="0" anchor="ctr"/>
+          <a:lstStyle/>
+          <a:p>
+            <a:pPr algn="ctr"/>
+            <a:r>
+              <a:rPr lang="en-AU" dirty="0">
+                <a:solidFill>
+                  <a:schemeClr val="bg1"/>
+                </a:solidFill>
+              </a:rPr>
+              <a:t>YX5300 Module</a:t>
+            </a:r>
+          </a:p>
+        </p:txBody>
+      </p:sp>
+      <p:cxnSp>
+        <p:nvCxnSpPr>
+          <p:cNvPr id="85" name="Straight Arrow Connector 84">
+            <a:extLst>
+              <a:ext uri="{FF2B5EF4-FFF2-40B4-BE49-F238E27FC236}">
+                <a16:creationId xmlns:a16="http://schemas.microsoft.com/office/drawing/2014/main" id="{D9FD8221-67D6-4ECF-AAF2-2BCE259EA844}"/>
+              </a:ext>
+            </a:extLst>
+          </p:cNvPr>
+          <p:cNvCxnSpPr>
+            <a:cxnSpLocks/>
+            <a:stCxn id="84" idx="0"/>
+          </p:cNvCxnSpPr>
+          <p:nvPr/>
+        </p:nvCxnSpPr>
+        <p:spPr>
+          <a:xfrm flipH="1" flipV="1">
+            <a:off x="5641018" y="4448632"/>
+            <a:ext cx="2692" cy="276222"/>
+          </a:xfrm>
+          <a:prstGeom prst="straightConnector1">
+            <a:avLst/>
+          </a:prstGeom>
+          <a:ln w="28575">
+            <a:solidFill>
+              <a:schemeClr val="tx1"/>
+            </a:solidFill>
+            <a:headEnd type="triangle" w="med" len="med"/>
+            <a:tailEnd type="triangle" w="med" len="med"/>
+          </a:ln>
+        </p:spPr>
+        <p:style>
+          <a:lnRef idx="1">
+            <a:schemeClr val="accent1"/>
+          </a:lnRef>
+          <a:fillRef idx="0">
+            <a:schemeClr val="accent1"/>
+          </a:fillRef>
+          <a:effectRef idx="0">
+            <a:schemeClr val="accent1"/>
+          </a:effectRef>
+          <a:fontRef idx="minor">
+            <a:schemeClr val="tx1"/>
+          </a:fontRef>
+        </p:style>
+      </p:cxnSp>
     </p:spTree>
     <p:extLst>
       <p:ext uri="{BB962C8B-B14F-4D97-AF65-F5344CB8AC3E}">
